--- a/doc/phase4/application_log.pptx
+++ b/doc/phase4/application_log.pptx
@@ -5,10 +5,10 @@
     <p:sldMasterId id="2147483648" r:id="rId1"/>
   </p:sldMasterIdLst>
   <p:notesMasterIdLst>
-    <p:notesMasterId r:id="rId14"/>
+    <p:notesMasterId r:id="rId15"/>
   </p:notesMasterIdLst>
   <p:handoutMasterIdLst>
-    <p:handoutMasterId r:id="rId15"/>
+    <p:handoutMasterId r:id="rId16"/>
   </p:handoutMasterIdLst>
   <p:sldIdLst>
     <p:sldId id="256" r:id="rId2"/>
@@ -23,6 +23,7 @@
     <p:sldId id="267" r:id="rId11"/>
     <p:sldId id="269" r:id="rId12"/>
     <p:sldId id="270" r:id="rId13"/>
+    <p:sldId id="271" r:id="rId14"/>
   </p:sldIdLst>
   <p:sldSz cx="9144000" cy="6858000" type="screen4x3"/>
   <p:notesSz cx="6858000" cy="9144000"/>
@@ -4044,11 +4045,7 @@
           <a:p>
             <a:r>
               <a:rPr lang="ja-JP" altLang="en-US" dirty="0" smtClean="0"/>
-              <a:t>アプリログ</a:t>
-            </a:r>
-            <a:r>
-              <a:rPr lang="ja-JP" altLang="en-US" dirty="0" smtClean="0"/>
-              <a:t>（</a:t>
+              <a:t>アプリログ（</a:t>
             </a:r>
             <a:r>
               <a:rPr lang="en-US" altLang="ja-JP" dirty="0" err="1" smtClean="0"/>
@@ -4095,11 +4092,7 @@
             </a:r>
             <a:r>
               <a:rPr lang="en-US" altLang="ja-JP" dirty="0" smtClean="0"/>
-              <a:t>4</a:t>
-            </a:r>
-            <a:r>
-              <a:rPr lang="en-US" altLang="ja-JP" dirty="0" smtClean="0"/>
-              <a:t>) </a:t>
+              <a:t>4) </a:t>
             </a:r>
             <a:r>
               <a:rPr lang="ja-JP" altLang="en-US" dirty="0" smtClean="0"/>
@@ -5106,6 +5099,13 @@
   <p:clrMapOvr>
     <a:masterClrMapping/>
   </p:clrMapOvr>
+  <p:timing>
+    <p:tnLst>
+      <p:par>
+        <p:cTn id="1" dur="indefinite" restart="never" nodeType="tmRoot"/>
+      </p:par>
+    </p:tnLst>
+  </p:timing>
 </p:sld>
 </file>
 
@@ -5186,11 +5186,7 @@
             <a:pPr lvl="1"/>
             <a:r>
               <a:rPr lang="ja-JP" altLang="en-US" dirty="0" smtClean="0"/>
-              <a:t>関数</a:t>
-            </a:r>
-            <a:r>
-              <a:rPr lang="ja-JP" altLang="en-US" dirty="0" smtClean="0"/>
-              <a:t>コール </a:t>
+              <a:t>関数コール </a:t>
             </a:r>
             <a:r>
               <a:rPr lang="en-US" altLang="ja-JP" dirty="0" smtClean="0"/>
@@ -5214,11 +5210,7 @@
           <a:p>
             <a:r>
               <a:rPr lang="ja-JP" altLang="en-US" dirty="0" smtClean="0"/>
-              <a:t>アプローチも</a:t>
-            </a:r>
-            <a:r>
-              <a:rPr lang="ja-JP" altLang="en-US" dirty="0" smtClean="0"/>
-              <a:t>同様</a:t>
+              <a:t>アプローチも同様</a:t>
             </a:r>
             <a:endParaRPr lang="en-US" altLang="ja-JP" dirty="0" smtClean="0"/>
           </a:p>
@@ -5226,11 +5218,7 @@
             <a:pPr lvl="1"/>
             <a:r>
               <a:rPr kumimoji="1" lang="ja-JP" altLang="en-US" u="sng" dirty="0" smtClean="0"/>
-              <a:t>スクリプト</a:t>
-            </a:r>
-            <a:r>
-              <a:rPr kumimoji="1" lang="ja-JP" altLang="en-US" u="sng" dirty="0" smtClean="0"/>
-              <a:t>拡張</a:t>
+              <a:t>スクリプト拡張</a:t>
             </a:r>
             <a:r>
               <a:rPr kumimoji="1" lang="ja-JP" altLang="en-US" dirty="0" smtClean="0"/>
@@ -5952,6 +5940,13 @@
   <p:clrMapOvr>
     <a:masterClrMapping/>
   </p:clrMapOvr>
+  <p:timing>
+    <p:tnLst>
+      <p:par>
+        <p:cTn id="1" dur="indefinite" restart="never" nodeType="tmRoot"/>
+      </p:par>
+    </p:tnLst>
+  </p:timing>
 </p:sld>
 </file>
 
@@ -5989,11 +5984,7 @@
           <a:p>
             <a:r>
               <a:rPr lang="ja-JP" altLang="en-US" dirty="0" smtClean="0"/>
-              <a:t>アプリログ</a:t>
-            </a:r>
-            <a:r>
-              <a:rPr lang="ja-JP" altLang="en-US" dirty="0" smtClean="0"/>
-              <a:t>（</a:t>
+              <a:t>アプリログ（</a:t>
             </a:r>
             <a:r>
               <a:rPr lang="en-US" altLang="ja-JP" dirty="0" smtClean="0"/>
@@ -6027,8 +6018,12 @@
           <a:lstStyle/>
           <a:p>
             <a:r>
+              <a:rPr kumimoji="1" lang="ja-JP" altLang="en-US" dirty="0" smtClean="0"/>
+              <a:t>グラフ型</a:t>
+            </a:r>
+            <a:r>
               <a:rPr kumimoji="1" lang="en-US" altLang="ja-JP" dirty="0" smtClean="0"/>
-              <a:t>3) </a:t>
+              <a:t> </a:t>
             </a:r>
             <a:endParaRPr kumimoji="1" lang="ja-JP" altLang="en-US" dirty="0"/>
           </a:p>
@@ -6058,11 +6053,1402 @@
           </a:p>
         </p:txBody>
       </p:sp>
+      <p:cxnSp>
+        <p:nvCxnSpPr>
+          <p:cNvPr id="5" name="直線コネクタ 4"/>
+          <p:cNvCxnSpPr/>
+          <p:nvPr/>
+        </p:nvCxnSpPr>
+        <p:spPr>
+          <a:xfrm>
+            <a:off x="1000100" y="2214554"/>
+            <a:ext cx="6929486" cy="1588"/>
+          </a:xfrm>
+          <a:prstGeom prst="line">
+            <a:avLst/>
+          </a:prstGeom>
+          <a:ln>
+            <a:solidFill>
+              <a:schemeClr val="bg1">
+                <a:lumMod val="65000"/>
+              </a:schemeClr>
+            </a:solidFill>
+          </a:ln>
+        </p:spPr>
+        <p:style>
+          <a:lnRef idx="1">
+            <a:schemeClr val="accent1"/>
+          </a:lnRef>
+          <a:fillRef idx="0">
+            <a:schemeClr val="accent1"/>
+          </a:fillRef>
+          <a:effectRef idx="0">
+            <a:schemeClr val="accent1"/>
+          </a:effectRef>
+          <a:fontRef idx="minor">
+            <a:schemeClr val="tx1"/>
+          </a:fontRef>
+        </p:style>
+      </p:cxnSp>
+      <p:cxnSp>
+        <p:nvCxnSpPr>
+          <p:cNvPr id="6" name="直線コネクタ 5"/>
+          <p:cNvCxnSpPr/>
+          <p:nvPr/>
+        </p:nvCxnSpPr>
+        <p:spPr>
+          <a:xfrm>
+            <a:off x="1214414" y="4500570"/>
+            <a:ext cx="6929486" cy="1588"/>
+          </a:xfrm>
+          <a:prstGeom prst="line">
+            <a:avLst/>
+          </a:prstGeom>
+          <a:ln>
+            <a:solidFill>
+              <a:schemeClr val="bg1">
+                <a:lumMod val="65000"/>
+              </a:schemeClr>
+            </a:solidFill>
+          </a:ln>
+        </p:spPr>
+        <p:style>
+          <a:lnRef idx="1">
+            <a:schemeClr val="accent1"/>
+          </a:lnRef>
+          <a:fillRef idx="0">
+            <a:schemeClr val="accent1"/>
+          </a:fillRef>
+          <a:effectRef idx="0">
+            <a:schemeClr val="accent1"/>
+          </a:effectRef>
+          <a:fontRef idx="minor">
+            <a:schemeClr val="tx1"/>
+          </a:fontRef>
+        </p:style>
+      </p:cxnSp>
+      <p:sp>
+        <p:nvSpPr>
+          <p:cNvPr id="7" name="テキスト ボックス 6"/>
+          <p:cNvSpPr txBox="1"/>
+          <p:nvPr/>
+        </p:nvSpPr>
+        <p:spPr>
+          <a:xfrm>
+            <a:off x="1357290" y="3000372"/>
+            <a:ext cx="1295547" cy="707886"/>
+          </a:xfrm>
+          <a:prstGeom prst="rect">
+            <a:avLst/>
+          </a:prstGeom>
+          <a:noFill/>
+        </p:spPr>
+        <p:txBody>
+          <a:bodyPr wrap="none" rtlCol="0">
+            <a:spAutoFit/>
+          </a:bodyPr>
+          <a:lstStyle/>
+          <a:p>
+            <a:pPr algn="ctr"/>
+            <a:r>
+              <a:rPr kumimoji="1" lang="ja-JP" altLang="en-US" sz="2000" dirty="0" smtClean="0"/>
+              <a:t>アプリログ</a:t>
+            </a:r>
+            <a:endParaRPr kumimoji="1" lang="en-US" altLang="ja-JP" sz="2000" dirty="0" smtClean="0"/>
+          </a:p>
+          <a:p>
+            <a:pPr algn="ctr"/>
+            <a:r>
+              <a:rPr kumimoji="1" lang="en-US" altLang="ja-JP" sz="2000" dirty="0" err="1" smtClean="0"/>
+              <a:t>int</a:t>
+            </a:r>
+            <a:endParaRPr kumimoji="1" lang="ja-JP" altLang="en-US" sz="2000" dirty="0"/>
+          </a:p>
+        </p:txBody>
+      </p:sp>
+      <p:pic>
+        <p:nvPicPr>
+          <p:cNvPr id="8" name="Picture 4"/>
+          <p:cNvPicPr>
+            <a:picLocks noChangeAspect="1" noChangeArrowheads="1"/>
+          </p:cNvPicPr>
+          <p:nvPr/>
+        </p:nvPicPr>
+        <p:blipFill>
+          <a:blip r:embed="rId2"/>
+          <a:srcRect/>
+          <a:stretch>
+            <a:fillRect/>
+          </a:stretch>
+        </p:blipFill>
+        <p:spPr bwMode="auto">
+          <a:xfrm>
+            <a:off x="1071538" y="3214686"/>
+            <a:ext cx="266738" cy="304842"/>
+          </a:xfrm>
+          <a:prstGeom prst="rect">
+            <a:avLst/>
+          </a:prstGeom>
+          <a:noFill/>
+          <a:ln w="9525">
+            <a:noFill/>
+            <a:miter lim="800000"/>
+            <a:headEnd/>
+            <a:tailEnd/>
+          </a:ln>
+        </p:spPr>
+      </p:pic>
+      <p:sp>
+        <p:nvSpPr>
+          <p:cNvPr id="9" name="テキスト ボックス 8"/>
+          <p:cNvSpPr txBox="1"/>
+          <p:nvPr/>
+        </p:nvSpPr>
+        <p:spPr>
+          <a:xfrm>
+            <a:off x="2428860" y="2143116"/>
+            <a:ext cx="549894" cy="2447465"/>
+          </a:xfrm>
+          <a:prstGeom prst="rect">
+            <a:avLst/>
+          </a:prstGeom>
+          <a:noFill/>
+        </p:spPr>
+        <p:txBody>
+          <a:bodyPr vert="wordArtVertRtl" wrap="none" rtlCol="0">
+            <a:spAutoFit/>
+          </a:bodyPr>
+          <a:lstStyle/>
+          <a:p>
+            <a:r>
+              <a:rPr lang="en-US" altLang="ja-JP" sz="2000" dirty="0" smtClean="0"/>
+              <a:t>98………321</a:t>
+            </a:r>
+            <a:endParaRPr lang="en-US" altLang="ja-JP" sz="2000" dirty="0" smtClean="0"/>
+          </a:p>
+        </p:txBody>
+      </p:sp>
+      <p:cxnSp>
+        <p:nvCxnSpPr>
+          <p:cNvPr id="10" name="直線コネクタ 9"/>
+          <p:cNvCxnSpPr/>
+          <p:nvPr/>
+        </p:nvCxnSpPr>
+        <p:spPr>
+          <a:xfrm flipV="1">
+            <a:off x="2928926" y="4357694"/>
+            <a:ext cx="357190" cy="1588"/>
+          </a:xfrm>
+          <a:prstGeom prst="line">
+            <a:avLst/>
+          </a:prstGeom>
+        </p:spPr>
+        <p:style>
+          <a:lnRef idx="2">
+            <a:schemeClr val="dk1"/>
+          </a:lnRef>
+          <a:fillRef idx="0">
+            <a:schemeClr val="dk1"/>
+          </a:fillRef>
+          <a:effectRef idx="1">
+            <a:schemeClr val="dk1"/>
+          </a:effectRef>
+          <a:fontRef idx="minor">
+            <a:schemeClr val="tx1"/>
+          </a:fontRef>
+        </p:style>
+      </p:cxnSp>
+      <p:cxnSp>
+        <p:nvCxnSpPr>
+          <p:cNvPr id="11" name="直線コネクタ 10"/>
+          <p:cNvCxnSpPr/>
+          <p:nvPr/>
+        </p:nvCxnSpPr>
+        <p:spPr>
+          <a:xfrm flipV="1">
+            <a:off x="3286116" y="4000504"/>
+            <a:ext cx="428628" cy="1588"/>
+          </a:xfrm>
+          <a:prstGeom prst="line">
+            <a:avLst/>
+          </a:prstGeom>
+        </p:spPr>
+        <p:style>
+          <a:lnRef idx="2">
+            <a:schemeClr val="dk1"/>
+          </a:lnRef>
+          <a:fillRef idx="0">
+            <a:schemeClr val="dk1"/>
+          </a:fillRef>
+          <a:effectRef idx="1">
+            <a:schemeClr val="dk1"/>
+          </a:effectRef>
+          <a:fontRef idx="minor">
+            <a:schemeClr val="tx1"/>
+          </a:fontRef>
+        </p:style>
+      </p:cxnSp>
+      <p:cxnSp>
+        <p:nvCxnSpPr>
+          <p:cNvPr id="12" name="直線コネクタ 11"/>
+          <p:cNvCxnSpPr/>
+          <p:nvPr/>
+        </p:nvCxnSpPr>
+        <p:spPr>
+          <a:xfrm flipV="1">
+            <a:off x="3714744" y="3643314"/>
+            <a:ext cx="357190" cy="1588"/>
+          </a:xfrm>
+          <a:prstGeom prst="line">
+            <a:avLst/>
+          </a:prstGeom>
+        </p:spPr>
+        <p:style>
+          <a:lnRef idx="2">
+            <a:schemeClr val="dk1"/>
+          </a:lnRef>
+          <a:fillRef idx="0">
+            <a:schemeClr val="dk1"/>
+          </a:fillRef>
+          <a:effectRef idx="1">
+            <a:schemeClr val="dk1"/>
+          </a:effectRef>
+          <a:fontRef idx="minor">
+            <a:schemeClr val="tx1"/>
+          </a:fontRef>
+        </p:style>
+      </p:cxnSp>
+      <p:cxnSp>
+        <p:nvCxnSpPr>
+          <p:cNvPr id="13" name="直線コネクタ 12"/>
+          <p:cNvCxnSpPr/>
+          <p:nvPr/>
+        </p:nvCxnSpPr>
+        <p:spPr>
+          <a:xfrm flipV="1">
+            <a:off x="4071934" y="4000504"/>
+            <a:ext cx="214314" cy="1588"/>
+          </a:xfrm>
+          <a:prstGeom prst="line">
+            <a:avLst/>
+          </a:prstGeom>
+        </p:spPr>
+        <p:style>
+          <a:lnRef idx="2">
+            <a:schemeClr val="dk1"/>
+          </a:lnRef>
+          <a:fillRef idx="0">
+            <a:schemeClr val="dk1"/>
+          </a:fillRef>
+          <a:effectRef idx="1">
+            <a:schemeClr val="dk1"/>
+          </a:effectRef>
+          <a:fontRef idx="minor">
+            <a:schemeClr val="tx1"/>
+          </a:fontRef>
+        </p:style>
+      </p:cxnSp>
+      <p:cxnSp>
+        <p:nvCxnSpPr>
+          <p:cNvPr id="14" name="直線コネクタ 13"/>
+          <p:cNvCxnSpPr/>
+          <p:nvPr/>
+        </p:nvCxnSpPr>
+        <p:spPr>
+          <a:xfrm flipV="1">
+            <a:off x="4286248" y="4358576"/>
+            <a:ext cx="285752" cy="706"/>
+          </a:xfrm>
+          <a:prstGeom prst="line">
+            <a:avLst/>
+          </a:prstGeom>
+        </p:spPr>
+        <p:style>
+          <a:lnRef idx="2">
+            <a:schemeClr val="dk1"/>
+          </a:lnRef>
+          <a:fillRef idx="0">
+            <a:schemeClr val="dk1"/>
+          </a:fillRef>
+          <a:effectRef idx="1">
+            <a:schemeClr val="dk1"/>
+          </a:effectRef>
+          <a:fontRef idx="minor">
+            <a:schemeClr val="tx1"/>
+          </a:fontRef>
+        </p:style>
+      </p:cxnSp>
+      <p:cxnSp>
+        <p:nvCxnSpPr>
+          <p:cNvPr id="15" name="直線コネクタ 14"/>
+          <p:cNvCxnSpPr/>
+          <p:nvPr/>
+        </p:nvCxnSpPr>
+        <p:spPr>
+          <a:xfrm flipV="1">
+            <a:off x="4572000" y="4000504"/>
+            <a:ext cx="214314" cy="1588"/>
+          </a:xfrm>
+          <a:prstGeom prst="line">
+            <a:avLst/>
+          </a:prstGeom>
+        </p:spPr>
+        <p:style>
+          <a:lnRef idx="2">
+            <a:schemeClr val="dk1"/>
+          </a:lnRef>
+          <a:fillRef idx="0">
+            <a:schemeClr val="dk1"/>
+          </a:fillRef>
+          <a:effectRef idx="1">
+            <a:schemeClr val="dk1"/>
+          </a:effectRef>
+          <a:fontRef idx="minor">
+            <a:schemeClr val="tx1"/>
+          </a:fontRef>
+        </p:style>
+      </p:cxnSp>
+      <p:cxnSp>
+        <p:nvCxnSpPr>
+          <p:cNvPr id="16" name="直線コネクタ 15"/>
+          <p:cNvCxnSpPr/>
+          <p:nvPr/>
+        </p:nvCxnSpPr>
+        <p:spPr>
+          <a:xfrm flipV="1">
+            <a:off x="5000628" y="2787050"/>
+            <a:ext cx="214314" cy="596"/>
+          </a:xfrm>
+          <a:prstGeom prst="line">
+            <a:avLst/>
+          </a:prstGeom>
+        </p:spPr>
+        <p:style>
+          <a:lnRef idx="2">
+            <a:schemeClr val="dk1"/>
+          </a:lnRef>
+          <a:fillRef idx="0">
+            <a:schemeClr val="dk1"/>
+          </a:fillRef>
+          <a:effectRef idx="1">
+            <a:schemeClr val="dk1"/>
+          </a:effectRef>
+          <a:fontRef idx="minor">
+            <a:schemeClr val="tx1"/>
+          </a:fontRef>
+        </p:style>
+      </p:cxnSp>
+      <p:cxnSp>
+        <p:nvCxnSpPr>
+          <p:cNvPr id="17" name="直線コネクタ 16"/>
+          <p:cNvCxnSpPr/>
+          <p:nvPr/>
+        </p:nvCxnSpPr>
+        <p:spPr>
+          <a:xfrm flipV="1">
+            <a:off x="5214942" y="2428868"/>
+            <a:ext cx="214314" cy="1588"/>
+          </a:xfrm>
+          <a:prstGeom prst="line">
+            <a:avLst/>
+          </a:prstGeom>
+        </p:spPr>
+        <p:style>
+          <a:lnRef idx="2">
+            <a:schemeClr val="dk1"/>
+          </a:lnRef>
+          <a:fillRef idx="0">
+            <a:schemeClr val="dk1"/>
+          </a:fillRef>
+          <a:effectRef idx="1">
+            <a:schemeClr val="dk1"/>
+          </a:effectRef>
+          <a:fontRef idx="minor">
+            <a:schemeClr val="tx1"/>
+          </a:fontRef>
+        </p:style>
+      </p:cxnSp>
+      <p:cxnSp>
+        <p:nvCxnSpPr>
+          <p:cNvPr id="18" name="直線コネクタ 17"/>
+          <p:cNvCxnSpPr/>
+          <p:nvPr/>
+        </p:nvCxnSpPr>
+        <p:spPr>
+          <a:xfrm rot="16200000" flipV="1">
+            <a:off x="3107521" y="4179099"/>
+            <a:ext cx="357190" cy="1588"/>
+          </a:xfrm>
+          <a:prstGeom prst="line">
+            <a:avLst/>
+          </a:prstGeom>
+        </p:spPr>
+        <p:style>
+          <a:lnRef idx="2">
+            <a:schemeClr val="dk1"/>
+          </a:lnRef>
+          <a:fillRef idx="0">
+            <a:schemeClr val="dk1"/>
+          </a:fillRef>
+          <a:effectRef idx="1">
+            <a:schemeClr val="dk1"/>
+          </a:effectRef>
+          <a:fontRef idx="minor">
+            <a:schemeClr val="tx1"/>
+          </a:fontRef>
+        </p:style>
+      </p:cxnSp>
+      <p:cxnSp>
+        <p:nvCxnSpPr>
+          <p:cNvPr id="19" name="直線コネクタ 18"/>
+          <p:cNvCxnSpPr/>
+          <p:nvPr/>
+        </p:nvCxnSpPr>
+        <p:spPr>
+          <a:xfrm rot="16200000" flipV="1">
+            <a:off x="3536943" y="3822703"/>
+            <a:ext cx="357190" cy="1588"/>
+          </a:xfrm>
+          <a:prstGeom prst="line">
+            <a:avLst/>
+          </a:prstGeom>
+        </p:spPr>
+        <p:style>
+          <a:lnRef idx="2">
+            <a:schemeClr val="dk1"/>
+          </a:lnRef>
+          <a:fillRef idx="0">
+            <a:schemeClr val="dk1"/>
+          </a:fillRef>
+          <a:effectRef idx="1">
+            <a:schemeClr val="dk1"/>
+          </a:effectRef>
+          <a:fontRef idx="minor">
+            <a:schemeClr val="tx1"/>
+          </a:fontRef>
+        </p:style>
+      </p:cxnSp>
+      <p:cxnSp>
+        <p:nvCxnSpPr>
+          <p:cNvPr id="20" name="直線コネクタ 19"/>
+          <p:cNvCxnSpPr/>
+          <p:nvPr/>
+        </p:nvCxnSpPr>
+        <p:spPr>
+          <a:xfrm rot="16200000" flipV="1">
+            <a:off x="3894133" y="3822703"/>
+            <a:ext cx="357190" cy="1588"/>
+          </a:xfrm>
+          <a:prstGeom prst="line">
+            <a:avLst/>
+          </a:prstGeom>
+        </p:spPr>
+        <p:style>
+          <a:lnRef idx="2">
+            <a:schemeClr val="dk1"/>
+          </a:lnRef>
+          <a:fillRef idx="0">
+            <a:schemeClr val="dk1"/>
+          </a:fillRef>
+          <a:effectRef idx="1">
+            <a:schemeClr val="dk1"/>
+          </a:effectRef>
+          <a:fontRef idx="minor">
+            <a:schemeClr val="tx1"/>
+          </a:fontRef>
+        </p:style>
+      </p:cxnSp>
+      <p:cxnSp>
+        <p:nvCxnSpPr>
+          <p:cNvPr id="21" name="直線コネクタ 20"/>
+          <p:cNvCxnSpPr/>
+          <p:nvPr/>
+        </p:nvCxnSpPr>
+        <p:spPr>
+          <a:xfrm rot="16200000" flipV="1">
+            <a:off x="4108447" y="4179099"/>
+            <a:ext cx="357190" cy="1588"/>
+          </a:xfrm>
+          <a:prstGeom prst="line">
+            <a:avLst/>
+          </a:prstGeom>
+        </p:spPr>
+        <p:style>
+          <a:lnRef idx="2">
+            <a:schemeClr val="dk1"/>
+          </a:lnRef>
+          <a:fillRef idx="0">
+            <a:schemeClr val="dk1"/>
+          </a:fillRef>
+          <a:effectRef idx="1">
+            <a:schemeClr val="dk1"/>
+          </a:effectRef>
+          <a:fontRef idx="minor">
+            <a:schemeClr val="tx1"/>
+          </a:fontRef>
+        </p:style>
+      </p:cxnSp>
+      <p:cxnSp>
+        <p:nvCxnSpPr>
+          <p:cNvPr id="22" name="直線コネクタ 21"/>
+          <p:cNvCxnSpPr/>
+          <p:nvPr/>
+        </p:nvCxnSpPr>
+        <p:spPr>
+          <a:xfrm rot="16200000" flipV="1">
+            <a:off x="4394199" y="4179099"/>
+            <a:ext cx="357190" cy="1588"/>
+          </a:xfrm>
+          <a:prstGeom prst="line">
+            <a:avLst/>
+          </a:prstGeom>
+        </p:spPr>
+        <p:style>
+          <a:lnRef idx="2">
+            <a:schemeClr val="dk1"/>
+          </a:lnRef>
+          <a:fillRef idx="0">
+            <a:schemeClr val="dk1"/>
+          </a:fillRef>
+          <a:effectRef idx="1">
+            <a:schemeClr val="dk1"/>
+          </a:effectRef>
+          <a:fontRef idx="minor">
+            <a:schemeClr val="tx1"/>
+          </a:fontRef>
+        </p:style>
+      </p:cxnSp>
+      <p:cxnSp>
+        <p:nvCxnSpPr>
+          <p:cNvPr id="23" name="直線コネクタ 22"/>
+          <p:cNvCxnSpPr/>
+          <p:nvPr/>
+        </p:nvCxnSpPr>
+        <p:spPr>
+          <a:xfrm rot="16200000" flipV="1">
+            <a:off x="4608513" y="3822703"/>
+            <a:ext cx="357190" cy="1588"/>
+          </a:xfrm>
+          <a:prstGeom prst="line">
+            <a:avLst/>
+          </a:prstGeom>
+        </p:spPr>
+        <p:style>
+          <a:lnRef idx="2">
+            <a:schemeClr val="dk1"/>
+          </a:lnRef>
+          <a:fillRef idx="0">
+            <a:schemeClr val="dk1"/>
+          </a:fillRef>
+          <a:effectRef idx="1">
+            <a:schemeClr val="dk1"/>
+          </a:effectRef>
+          <a:fontRef idx="minor">
+            <a:schemeClr val="tx1"/>
+          </a:fontRef>
+        </p:style>
+      </p:cxnSp>
+      <p:cxnSp>
+        <p:nvCxnSpPr>
+          <p:cNvPr id="24" name="直線コネクタ 23"/>
+          <p:cNvCxnSpPr/>
+          <p:nvPr/>
+        </p:nvCxnSpPr>
+        <p:spPr>
+          <a:xfrm rot="16200000" flipV="1">
+            <a:off x="4822827" y="2965447"/>
+            <a:ext cx="357190" cy="1588"/>
+          </a:xfrm>
+          <a:prstGeom prst="line">
+            <a:avLst/>
+          </a:prstGeom>
+        </p:spPr>
+        <p:style>
+          <a:lnRef idx="2">
+            <a:schemeClr val="dk1"/>
+          </a:lnRef>
+          <a:fillRef idx="0">
+            <a:schemeClr val="dk1"/>
+          </a:fillRef>
+          <a:effectRef idx="1">
+            <a:schemeClr val="dk1"/>
+          </a:effectRef>
+          <a:fontRef idx="minor">
+            <a:schemeClr val="tx1"/>
+          </a:fontRef>
+        </p:style>
+      </p:cxnSp>
+      <p:cxnSp>
+        <p:nvCxnSpPr>
+          <p:cNvPr id="25" name="直線コネクタ 24"/>
+          <p:cNvCxnSpPr/>
+          <p:nvPr/>
+        </p:nvCxnSpPr>
+        <p:spPr>
+          <a:xfrm rot="16200000" flipV="1">
+            <a:off x="5037141" y="2608257"/>
+            <a:ext cx="357190" cy="1588"/>
+          </a:xfrm>
+          <a:prstGeom prst="line">
+            <a:avLst/>
+          </a:prstGeom>
+        </p:spPr>
+        <p:style>
+          <a:lnRef idx="2">
+            <a:schemeClr val="dk1"/>
+          </a:lnRef>
+          <a:fillRef idx="0">
+            <a:schemeClr val="dk1"/>
+          </a:fillRef>
+          <a:effectRef idx="1">
+            <a:schemeClr val="dk1"/>
+          </a:effectRef>
+          <a:fontRef idx="minor">
+            <a:schemeClr val="tx1"/>
+          </a:fontRef>
+        </p:style>
+      </p:cxnSp>
+      <p:cxnSp>
+        <p:nvCxnSpPr>
+          <p:cNvPr id="26" name="直線コネクタ 25"/>
+          <p:cNvCxnSpPr/>
+          <p:nvPr/>
+        </p:nvCxnSpPr>
+        <p:spPr>
+          <a:xfrm rot="16200000" flipV="1">
+            <a:off x="5251455" y="2608257"/>
+            <a:ext cx="357190" cy="1588"/>
+          </a:xfrm>
+          <a:prstGeom prst="line">
+            <a:avLst/>
+          </a:prstGeom>
+        </p:spPr>
+        <p:style>
+          <a:lnRef idx="2">
+            <a:schemeClr val="dk1"/>
+          </a:lnRef>
+          <a:fillRef idx="0">
+            <a:schemeClr val="dk1"/>
+          </a:fillRef>
+          <a:effectRef idx="1">
+            <a:schemeClr val="dk1"/>
+          </a:effectRef>
+          <a:fontRef idx="minor">
+            <a:schemeClr val="tx1"/>
+          </a:fontRef>
+        </p:style>
+      </p:cxnSp>
+      <p:cxnSp>
+        <p:nvCxnSpPr>
+          <p:cNvPr id="27" name="直線コネクタ 26"/>
+          <p:cNvCxnSpPr/>
+          <p:nvPr/>
+        </p:nvCxnSpPr>
+        <p:spPr>
+          <a:xfrm flipV="1">
+            <a:off x="5429256" y="2787050"/>
+            <a:ext cx="214314" cy="596"/>
+          </a:xfrm>
+          <a:prstGeom prst="line">
+            <a:avLst/>
+          </a:prstGeom>
+        </p:spPr>
+        <p:style>
+          <a:lnRef idx="2">
+            <a:schemeClr val="dk1"/>
+          </a:lnRef>
+          <a:fillRef idx="0">
+            <a:schemeClr val="dk1"/>
+          </a:fillRef>
+          <a:effectRef idx="1">
+            <a:schemeClr val="dk1"/>
+          </a:effectRef>
+          <a:fontRef idx="minor">
+            <a:schemeClr val="tx1"/>
+          </a:fontRef>
+        </p:style>
+      </p:cxnSp>
+      <p:cxnSp>
+        <p:nvCxnSpPr>
+          <p:cNvPr id="28" name="直線コネクタ 27"/>
+          <p:cNvCxnSpPr/>
+          <p:nvPr/>
+        </p:nvCxnSpPr>
+        <p:spPr>
+          <a:xfrm rot="16200000" flipV="1">
+            <a:off x="5465769" y="2965447"/>
+            <a:ext cx="357190" cy="1588"/>
+          </a:xfrm>
+          <a:prstGeom prst="line">
+            <a:avLst/>
+          </a:prstGeom>
+        </p:spPr>
+        <p:style>
+          <a:lnRef idx="2">
+            <a:schemeClr val="dk1"/>
+          </a:lnRef>
+          <a:fillRef idx="0">
+            <a:schemeClr val="dk1"/>
+          </a:fillRef>
+          <a:effectRef idx="1">
+            <a:schemeClr val="dk1"/>
+          </a:effectRef>
+          <a:fontRef idx="minor">
+            <a:schemeClr val="tx1"/>
+          </a:fontRef>
+        </p:style>
+      </p:cxnSp>
+      <p:cxnSp>
+        <p:nvCxnSpPr>
+          <p:cNvPr id="29" name="直線コネクタ 28"/>
+          <p:cNvCxnSpPr/>
+          <p:nvPr/>
+        </p:nvCxnSpPr>
+        <p:spPr>
+          <a:xfrm flipV="1">
+            <a:off x="5643570" y="3144240"/>
+            <a:ext cx="214314" cy="596"/>
+          </a:xfrm>
+          <a:prstGeom prst="line">
+            <a:avLst/>
+          </a:prstGeom>
+        </p:spPr>
+        <p:style>
+          <a:lnRef idx="2">
+            <a:schemeClr val="dk1"/>
+          </a:lnRef>
+          <a:fillRef idx="0">
+            <a:schemeClr val="dk1"/>
+          </a:fillRef>
+          <a:effectRef idx="1">
+            <a:schemeClr val="dk1"/>
+          </a:effectRef>
+          <a:fontRef idx="minor">
+            <a:schemeClr val="tx1"/>
+          </a:fontRef>
+        </p:style>
+      </p:cxnSp>
+      <p:cxnSp>
+        <p:nvCxnSpPr>
+          <p:cNvPr id="30" name="直線コネクタ 29"/>
+          <p:cNvCxnSpPr/>
+          <p:nvPr/>
+        </p:nvCxnSpPr>
+        <p:spPr>
+          <a:xfrm rot="16200000" flipV="1">
+            <a:off x="5680083" y="3322637"/>
+            <a:ext cx="357190" cy="1588"/>
+          </a:xfrm>
+          <a:prstGeom prst="line">
+            <a:avLst/>
+          </a:prstGeom>
+        </p:spPr>
+        <p:style>
+          <a:lnRef idx="2">
+            <a:schemeClr val="dk1"/>
+          </a:lnRef>
+          <a:fillRef idx="0">
+            <a:schemeClr val="dk1"/>
+          </a:fillRef>
+          <a:effectRef idx="1">
+            <a:schemeClr val="dk1"/>
+          </a:effectRef>
+          <a:fontRef idx="minor">
+            <a:schemeClr val="tx1"/>
+          </a:fontRef>
+        </p:style>
+      </p:cxnSp>
+      <p:sp>
+        <p:nvSpPr>
+          <p:cNvPr id="31" name="テキスト ボックス 30"/>
+          <p:cNvSpPr txBox="1"/>
+          <p:nvPr/>
+        </p:nvSpPr>
+        <p:spPr>
+          <a:xfrm flipV="1">
+            <a:off x="4714876" y="3199908"/>
+            <a:ext cx="549894" cy="444994"/>
+          </a:xfrm>
+          <a:prstGeom prst="rect">
+            <a:avLst/>
+          </a:prstGeom>
+          <a:noFill/>
+        </p:spPr>
+        <p:txBody>
+          <a:bodyPr vert="wordArtVertRtl" wrap="none" rtlCol="0">
+            <a:spAutoFit/>
+          </a:bodyPr>
+          <a:lstStyle/>
+          <a:p>
+            <a:r>
+              <a:rPr lang="en-US" altLang="ja-JP" sz="2000" dirty="0" smtClean="0"/>
+              <a:t>……</a:t>
+            </a:r>
+          </a:p>
+        </p:txBody>
+      </p:sp>
+      <p:sp>
+        <p:nvSpPr>
+          <p:cNvPr id="32" name="テキスト ボックス 31"/>
+          <p:cNvSpPr txBox="1"/>
+          <p:nvPr/>
+        </p:nvSpPr>
+        <p:spPr>
+          <a:xfrm flipV="1">
+            <a:off x="5715008" y="3485660"/>
+            <a:ext cx="549894" cy="444994"/>
+          </a:xfrm>
+          <a:prstGeom prst="rect">
+            <a:avLst/>
+          </a:prstGeom>
+          <a:noFill/>
+        </p:spPr>
+        <p:txBody>
+          <a:bodyPr vert="wordArtVertRtl" wrap="none" rtlCol="0">
+            <a:spAutoFit/>
+          </a:bodyPr>
+          <a:lstStyle/>
+          <a:p>
+            <a:r>
+              <a:rPr lang="en-US" altLang="ja-JP" sz="2000" dirty="0" smtClean="0"/>
+              <a:t>……</a:t>
+            </a:r>
+          </a:p>
+        </p:txBody>
+      </p:sp>
+      <p:cxnSp>
+        <p:nvCxnSpPr>
+          <p:cNvPr id="33" name="直線コネクタ 32"/>
+          <p:cNvCxnSpPr/>
+          <p:nvPr/>
+        </p:nvCxnSpPr>
+        <p:spPr>
+          <a:xfrm rot="5400000">
+            <a:off x="1643836" y="3356768"/>
+            <a:ext cx="2570974" cy="794"/>
+          </a:xfrm>
+          <a:prstGeom prst="line">
+            <a:avLst/>
+          </a:prstGeom>
+          <a:ln>
+            <a:solidFill>
+              <a:schemeClr val="bg1">
+                <a:lumMod val="65000"/>
+              </a:schemeClr>
+            </a:solidFill>
+          </a:ln>
+        </p:spPr>
+        <p:style>
+          <a:lnRef idx="1">
+            <a:schemeClr val="accent1"/>
+          </a:lnRef>
+          <a:fillRef idx="0">
+            <a:schemeClr val="accent1"/>
+          </a:fillRef>
+          <a:effectRef idx="0">
+            <a:schemeClr val="accent1"/>
+          </a:effectRef>
+          <a:fontRef idx="minor">
+            <a:schemeClr val="tx1"/>
+          </a:fontRef>
+        </p:style>
+      </p:cxnSp>
+      <p:sp>
+        <p:nvSpPr>
+          <p:cNvPr id="35" name="テキスト ボックス 34"/>
+          <p:cNvSpPr txBox="1"/>
+          <p:nvPr/>
+        </p:nvSpPr>
+        <p:spPr>
+          <a:xfrm>
+            <a:off x="1142976" y="4572008"/>
+            <a:ext cx="3246402" cy="707886"/>
+          </a:xfrm>
+          <a:prstGeom prst="rect">
+            <a:avLst/>
+          </a:prstGeom>
+        </p:spPr>
+        <p:style>
+          <a:lnRef idx="1">
+            <a:schemeClr val="accent1"/>
+          </a:lnRef>
+          <a:fillRef idx="2">
+            <a:schemeClr val="accent1"/>
+          </a:fillRef>
+          <a:effectRef idx="1">
+            <a:schemeClr val="accent1"/>
+          </a:effectRef>
+          <a:fontRef idx="minor">
+            <a:schemeClr val="dk1"/>
+          </a:fontRef>
+        </p:style>
+        <p:txBody>
+          <a:bodyPr wrap="none" rtlCol="0">
+            <a:spAutoFit/>
+          </a:bodyPr>
+          <a:lstStyle/>
+          <a:p>
+            <a:r>
+              <a:rPr lang="ja-JP" altLang="en-US" sz="2000" b="1" dirty="0" smtClean="0"/>
+              <a:t>できること</a:t>
+            </a:r>
+            <a:endParaRPr lang="en-US" altLang="ja-JP" sz="2000" b="1" dirty="0" smtClean="0"/>
+          </a:p>
+          <a:p>
+            <a:pPr>
+              <a:buFont typeface="Wingdings" pitchFamily="2" charset="2"/>
+              <a:buChar char="l"/>
+            </a:pPr>
+            <a:r>
+              <a:rPr kumimoji="1" lang="ja-JP" altLang="en-US" sz="2000" dirty="0" smtClean="0"/>
+              <a:t>変数の値などをグラフ表示</a:t>
+            </a:r>
+            <a:endParaRPr kumimoji="1" lang="en-US" altLang="ja-JP" sz="2000" dirty="0" smtClean="0"/>
+          </a:p>
+        </p:txBody>
+      </p:sp>
+      <p:sp>
+        <p:nvSpPr>
+          <p:cNvPr id="36" name="テキスト ボックス 35"/>
+          <p:cNvSpPr txBox="1"/>
+          <p:nvPr/>
+        </p:nvSpPr>
+        <p:spPr>
+          <a:xfrm>
+            <a:off x="5143504" y="4572008"/>
+            <a:ext cx="2645276" cy="1631216"/>
+          </a:xfrm>
+          <a:prstGeom prst="rect">
+            <a:avLst/>
+          </a:prstGeom>
+        </p:spPr>
+        <p:style>
+          <a:lnRef idx="1">
+            <a:schemeClr val="accent2"/>
+          </a:lnRef>
+          <a:fillRef idx="2">
+            <a:schemeClr val="accent2"/>
+          </a:fillRef>
+          <a:effectRef idx="1">
+            <a:schemeClr val="accent2"/>
+          </a:effectRef>
+          <a:fontRef idx="minor">
+            <a:schemeClr val="dk1"/>
+          </a:fontRef>
+        </p:style>
+        <p:txBody>
+          <a:bodyPr wrap="none" rtlCol="0">
+            <a:spAutoFit/>
+          </a:bodyPr>
+          <a:lstStyle/>
+          <a:p>
+            <a:r>
+              <a:rPr kumimoji="1" lang="ja-JP" altLang="en-US" sz="2000" b="1" dirty="0" smtClean="0"/>
+              <a:t>必要なもの</a:t>
+            </a:r>
+            <a:endParaRPr kumimoji="1" lang="en-US" altLang="ja-JP" sz="2000" b="1" dirty="0" smtClean="0"/>
+          </a:p>
+          <a:p>
+            <a:pPr>
+              <a:buFont typeface="Wingdings" pitchFamily="2" charset="2"/>
+              <a:buChar char="l"/>
+            </a:pPr>
+            <a:r>
+              <a:rPr lang="ja-JP" altLang="en-US" sz="2000" dirty="0" smtClean="0"/>
+              <a:t>値変化時のログ</a:t>
+            </a:r>
+            <a:endParaRPr lang="en-US" altLang="ja-JP" sz="2000" dirty="0" smtClean="0"/>
+          </a:p>
+          <a:p>
+            <a:pPr>
+              <a:buFont typeface="Wingdings" pitchFamily="2" charset="2"/>
+              <a:buChar char="l"/>
+            </a:pPr>
+            <a:r>
+              <a:rPr kumimoji="1" lang="ja-JP" altLang="en-US" sz="2000" dirty="0" smtClean="0"/>
+              <a:t>最大・最小値</a:t>
+            </a:r>
+            <a:endParaRPr kumimoji="1" lang="en-US" altLang="ja-JP" sz="2000" dirty="0" smtClean="0"/>
+          </a:p>
+          <a:p>
+            <a:pPr>
+              <a:buFont typeface="Wingdings" pitchFamily="2" charset="2"/>
+              <a:buChar char="l"/>
+            </a:pPr>
+            <a:r>
+              <a:rPr kumimoji="1" lang="ja-JP" altLang="en-US" sz="2000" dirty="0" smtClean="0"/>
+              <a:t>どの値が</a:t>
+            </a:r>
+            <a:r>
+              <a:rPr kumimoji="1" lang="ja-JP" altLang="en-US" sz="2000" dirty="0" smtClean="0"/>
+              <a:t>どの高さ？</a:t>
+            </a:r>
+            <a:endParaRPr kumimoji="1" lang="en-US" altLang="ja-JP" sz="2000" dirty="0" smtClean="0"/>
+          </a:p>
+          <a:p>
+            <a:pPr lvl="1">
+              <a:buFont typeface="Wingdings" pitchFamily="2" charset="2"/>
+              <a:buChar char="l"/>
+            </a:pPr>
+            <a:r>
+              <a:rPr lang="en-US" altLang="ja-JP" sz="2000" dirty="0" smtClean="0">
+                <a:sym typeface="Wingdings" pitchFamily="2" charset="2"/>
+              </a:rPr>
+              <a:t></a:t>
+            </a:r>
+            <a:r>
+              <a:rPr lang="ja-JP" altLang="en-US" sz="2000" u="sng" dirty="0" smtClean="0"/>
+              <a:t>スクリプト拡張</a:t>
+            </a:r>
+            <a:endParaRPr kumimoji="1" lang="en-US" altLang="ja-JP" sz="2000" u="sng" dirty="0" smtClean="0"/>
+          </a:p>
+        </p:txBody>
+      </p:sp>
+      <p:grpSp>
+        <p:nvGrpSpPr>
+          <p:cNvPr id="37" name="グループ化 36"/>
+          <p:cNvGrpSpPr/>
+          <p:nvPr/>
+        </p:nvGrpSpPr>
+        <p:grpSpPr>
+          <a:xfrm>
+            <a:off x="5715008" y="3143248"/>
+            <a:ext cx="1078605" cy="692993"/>
+            <a:chOff x="3559343" y="2773528"/>
+            <a:chExt cx="1078605" cy="692993"/>
+          </a:xfrm>
+        </p:grpSpPr>
+        <p:sp>
+          <p:nvSpPr>
+            <p:cNvPr id="38" name="左矢印 37"/>
+            <p:cNvSpPr/>
+            <p:nvPr/>
+          </p:nvSpPr>
+          <p:spPr>
+            <a:xfrm rot="3837702">
+              <a:off x="3427160" y="2905711"/>
+              <a:ext cx="692993" cy="428628"/>
+            </a:xfrm>
+            <a:prstGeom prst="leftArrow">
+              <a:avLst>
+                <a:gd name="adj1" fmla="val 32244"/>
+                <a:gd name="adj2" fmla="val 102586"/>
+              </a:avLst>
+            </a:prstGeom>
+          </p:spPr>
+          <p:style>
+            <a:lnRef idx="2">
+              <a:schemeClr val="dk1"/>
+            </a:lnRef>
+            <a:fillRef idx="1">
+              <a:schemeClr val="lt1"/>
+            </a:fillRef>
+            <a:effectRef idx="0">
+              <a:schemeClr val="dk1"/>
+            </a:effectRef>
+            <a:fontRef idx="minor">
+              <a:schemeClr val="dk1"/>
+            </a:fontRef>
+          </p:style>
+          <p:txBody>
+            <a:bodyPr rtlCol="0" anchor="ctr"/>
+            <a:lstStyle/>
+            <a:p>
+              <a:pPr algn="ctr"/>
+              <a:endParaRPr kumimoji="1" lang="ja-JP" altLang="en-US"/>
+            </a:p>
+          </p:txBody>
+        </p:sp>
+        <p:sp>
+          <p:nvSpPr>
+            <p:cNvPr id="39" name="テキスト ボックス 38"/>
+            <p:cNvSpPr txBox="1"/>
+            <p:nvPr/>
+          </p:nvSpPr>
+          <p:spPr>
+            <a:xfrm rot="20792603">
+              <a:off x="3962763" y="3073864"/>
+              <a:ext cx="675185" cy="369332"/>
+            </a:xfrm>
+            <a:prstGeom prst="rect">
+              <a:avLst/>
+            </a:prstGeom>
+            <a:noFill/>
+          </p:spPr>
+          <p:txBody>
+            <a:bodyPr wrap="none" rtlCol="0">
+              <a:spAutoFit/>
+            </a:bodyPr>
+            <a:lstStyle/>
+            <a:p>
+              <a:r>
+                <a:rPr kumimoji="1" lang="en-US" altLang="ja-JP" b="1" dirty="0" smtClean="0"/>
+                <a:t>click!</a:t>
+              </a:r>
+              <a:endParaRPr kumimoji="1" lang="ja-JP" altLang="en-US" b="1" dirty="0"/>
+            </a:p>
+          </p:txBody>
+        </p:sp>
+      </p:grpSp>
+      <p:sp>
+        <p:nvSpPr>
+          <p:cNvPr id="40" name="テキスト ボックス 39"/>
+          <p:cNvSpPr txBox="1"/>
+          <p:nvPr/>
+        </p:nvSpPr>
+        <p:spPr>
+          <a:xfrm>
+            <a:off x="6143636" y="1357298"/>
+            <a:ext cx="2318263" cy="1323439"/>
+          </a:xfrm>
+          <a:prstGeom prst="rect">
+            <a:avLst/>
+          </a:prstGeom>
+        </p:spPr>
+        <p:style>
+          <a:lnRef idx="1">
+            <a:schemeClr val="accent3"/>
+          </a:lnRef>
+          <a:fillRef idx="2">
+            <a:schemeClr val="accent3"/>
+          </a:fillRef>
+          <a:effectRef idx="1">
+            <a:schemeClr val="accent3"/>
+          </a:effectRef>
+          <a:fontRef idx="minor">
+            <a:schemeClr val="dk1"/>
+          </a:fontRef>
+        </p:style>
+        <p:txBody>
+          <a:bodyPr wrap="none" rtlCol="0">
+            <a:spAutoFit/>
+          </a:bodyPr>
+          <a:lstStyle/>
+          <a:p>
+            <a:r>
+              <a:rPr lang="ja-JP" altLang="en-US" sz="2000" b="1" dirty="0" smtClean="0"/>
+              <a:t>できると嬉しいかも</a:t>
+            </a:r>
+            <a:endParaRPr lang="en-US" altLang="ja-JP" sz="2000" b="1" dirty="0" smtClean="0"/>
+          </a:p>
+          <a:p>
+            <a:pPr>
+              <a:buFont typeface="Wingdings" pitchFamily="2" charset="2"/>
+              <a:buChar char="l"/>
+            </a:pPr>
+            <a:r>
+              <a:rPr lang="ja-JP" altLang="en-US" sz="2000" dirty="0" smtClean="0"/>
+              <a:t>ペインに情報表示</a:t>
+            </a:r>
+            <a:endParaRPr lang="en-US" altLang="ja-JP" sz="2000" dirty="0" smtClean="0"/>
+          </a:p>
+          <a:p>
+            <a:pPr lvl="1">
+              <a:buFont typeface="Wingdings" pitchFamily="2" charset="2"/>
+              <a:buChar char="l"/>
+            </a:pPr>
+            <a:r>
+              <a:rPr kumimoji="1" lang="ja-JP" altLang="en-US" sz="2000" dirty="0" smtClean="0"/>
+              <a:t>時刻</a:t>
+            </a:r>
+            <a:endParaRPr kumimoji="1" lang="en-US" altLang="ja-JP" sz="2000" dirty="0" smtClean="0"/>
+          </a:p>
+          <a:p>
+            <a:pPr lvl="1">
+              <a:buFont typeface="Wingdings" pitchFamily="2" charset="2"/>
+              <a:buChar char="l"/>
+            </a:pPr>
+            <a:r>
+              <a:rPr lang="ja-JP" altLang="en-US" sz="2000" dirty="0" smtClean="0"/>
+              <a:t>実際の数値</a:t>
+            </a:r>
+            <a:endParaRPr kumimoji="1" lang="ja-JP" altLang="en-US" sz="2000" dirty="0"/>
+          </a:p>
+        </p:txBody>
+      </p:sp>
     </p:spTree>
   </p:cSld>
   <p:clrMapOvr>
     <a:masterClrMapping/>
   </p:clrMapOvr>
+  <p:timing>
+    <p:tnLst>
+      <p:par>
+        <p:cTn id="1" dur="indefinite" restart="never" nodeType="tmRoot"/>
+      </p:par>
+    </p:tnLst>
+  </p:timing>
+</p:sld>
+</file>
+
+<file path=ppt/slides/slide13.xml><?xml version="1.0" encoding="utf-8"?>
+<p:sld xmlns:a="http://schemas.openxmlformats.org/drawingml/2006/main" xmlns:r="http://schemas.openxmlformats.org/officeDocument/2006/relationships" xmlns:p="http://schemas.openxmlformats.org/presentationml/2006/main">
+  <p:cSld>
+    <p:spTree>
+      <p:nvGrpSpPr>
+        <p:cNvPr id="1" name=""/>
+        <p:cNvGrpSpPr/>
+        <p:nvPr/>
+      </p:nvGrpSpPr>
+      <p:grpSpPr>
+        <a:xfrm>
+          <a:off x="0" y="0"/>
+          <a:ext cx="0" cy="0"/>
+          <a:chOff x="0" y="0"/>
+          <a:chExt cx="0" cy="0"/>
+        </a:xfrm>
+      </p:grpSpPr>
+      <p:sp>
+        <p:nvSpPr>
+          <p:cNvPr id="2" name="タイトル 1"/>
+          <p:cNvSpPr>
+            <a:spLocks noGrp="1"/>
+          </p:cNvSpPr>
+          <p:nvPr>
+            <p:ph type="title"/>
+          </p:nvPr>
+        </p:nvSpPr>
+        <p:spPr/>
+        <p:txBody>
+          <a:bodyPr/>
+          <a:lstStyle/>
+          <a:p>
+            <a:r>
+              <a:rPr kumimoji="1" lang="ja-JP" altLang="en-US" dirty="0" smtClean="0"/>
+              <a:t>まとめ</a:t>
+            </a:r>
+            <a:endParaRPr kumimoji="1" lang="ja-JP" altLang="en-US" dirty="0"/>
+          </a:p>
+        </p:txBody>
+      </p:sp>
+      <p:sp>
+        <p:nvSpPr>
+          <p:cNvPr id="3" name="コンテンツ プレースホルダ 2"/>
+          <p:cNvSpPr>
+            <a:spLocks noGrp="1"/>
+          </p:cNvSpPr>
+          <p:nvPr>
+            <p:ph idx="1"/>
+          </p:nvPr>
+        </p:nvSpPr>
+        <p:spPr/>
+        <p:txBody>
+          <a:bodyPr/>
+          <a:lstStyle/>
+          <a:p>
+            <a:r>
+              <a:rPr kumimoji="1" lang="en-US" altLang="ja-JP" dirty="0" smtClean="0"/>
+              <a:t>TLV</a:t>
+            </a:r>
+            <a:r>
+              <a:rPr kumimoji="1" lang="ja-JP" altLang="en-US" dirty="0" smtClean="0"/>
+              <a:t>本体拡張なしで実現可能なもの</a:t>
+            </a:r>
+            <a:endParaRPr kumimoji="1" lang="en-US" altLang="ja-JP" dirty="0" smtClean="0"/>
+          </a:p>
+          <a:p>
+            <a:pPr lvl="1"/>
+            <a:r>
+              <a:rPr lang="en-US" altLang="ja-JP" dirty="0" smtClean="0"/>
+              <a:t>string</a:t>
+            </a:r>
+          </a:p>
+          <a:p>
+            <a:pPr lvl="1"/>
+            <a:r>
+              <a:rPr kumimoji="1" lang="ja-JP" altLang="en-US" dirty="0" smtClean="0"/>
+              <a:t>関数</a:t>
+            </a:r>
+            <a:r>
+              <a:rPr kumimoji="1" lang="ja-JP" altLang="en-US" dirty="0" smtClean="0"/>
+              <a:t>コール </a:t>
+            </a:r>
+            <a:r>
+              <a:rPr kumimoji="1" lang="en-US" altLang="ja-JP" dirty="0" smtClean="0"/>
+              <a:t>4)</a:t>
+            </a:r>
+            <a:r>
+              <a:rPr kumimoji="1" lang="ja-JP" altLang="en-US" dirty="0" smtClean="0"/>
+              <a:t>タスク状態型</a:t>
+            </a:r>
+            <a:endParaRPr kumimoji="1" lang="en-US" altLang="ja-JP" dirty="0" smtClean="0"/>
+          </a:p>
+          <a:p>
+            <a:pPr lvl="1"/>
+            <a:r>
+              <a:rPr lang="en-US" altLang="ja-JP" dirty="0" err="1" smtClean="0"/>
+              <a:t>enum</a:t>
+            </a:r>
+            <a:r>
+              <a:rPr lang="en-US" altLang="ja-JP" dirty="0" smtClean="0"/>
+              <a:t> 1)</a:t>
+            </a:r>
+            <a:r>
+              <a:rPr lang="ja-JP" altLang="en-US" dirty="0" smtClean="0"/>
+              <a:t>タスク状態型</a:t>
+            </a:r>
+            <a:endParaRPr lang="en-US" altLang="ja-JP" dirty="0" smtClean="0"/>
+          </a:p>
+          <a:p>
+            <a:r>
+              <a:rPr kumimoji="1" lang="ja-JP" altLang="en-US" dirty="0" smtClean="0"/>
+              <a:t>スクリプト拡張が完成したらやりたいもの</a:t>
+            </a:r>
+            <a:endParaRPr kumimoji="1" lang="en-US" altLang="ja-JP" dirty="0" smtClean="0"/>
+          </a:p>
+          <a:p>
+            <a:pPr lvl="1"/>
+            <a:r>
+              <a:rPr lang="en-US" altLang="ja-JP" dirty="0" err="1" smtClean="0"/>
+              <a:t>int</a:t>
+            </a:r>
+            <a:r>
+              <a:rPr lang="en-US" altLang="ja-JP" dirty="0" smtClean="0"/>
+              <a:t>, float</a:t>
+            </a:r>
+            <a:endParaRPr kumimoji="1" lang="en-US" altLang="ja-JP" dirty="0" smtClean="0"/>
+          </a:p>
+          <a:p>
+            <a:endParaRPr kumimoji="1" lang="ja-JP" altLang="en-US" dirty="0"/>
+          </a:p>
+        </p:txBody>
+      </p:sp>
+      <p:sp>
+        <p:nvSpPr>
+          <p:cNvPr id="4" name="スライド番号プレースホルダ 3"/>
+          <p:cNvSpPr>
+            <a:spLocks noGrp="1"/>
+          </p:cNvSpPr>
+          <p:nvPr>
+            <p:ph type="sldNum" sz="quarter" idx="12"/>
+          </p:nvPr>
+        </p:nvSpPr>
+        <p:spPr/>
+        <p:txBody>
+          <a:bodyPr/>
+          <a:lstStyle/>
+          <a:p>
+            <a:fld id="{A67DFC8C-1F5E-4254-A57A-68887A1C3919}" type="slidenum">
+              <a:rPr lang="ja-JP" altLang="en-US" smtClean="0"/>
+              <a:pPr/>
+              <a:t>13</a:t>
+            </a:fld>
+            <a:endParaRPr lang="ja-JP" altLang="en-US"/>
+          </a:p>
+        </p:txBody>
+      </p:sp>
+    </p:spTree>
+  </p:cSld>
+  <p:clrMapOvr>
+    <a:masterClrMapping/>
+  </p:clrMapOvr>
+  <p:timing>
+    <p:tnLst>
+      <p:par>
+        <p:cTn id="1" dur="indefinite" restart="never" nodeType="tmRoot"/>
+      </p:par>
+    </p:tnLst>
+  </p:timing>
 </p:sld>
 </file>
 
@@ -6222,6 +7608,13 @@
   <p:clrMapOvr>
     <a:masterClrMapping/>
   </p:clrMapOvr>
+  <p:timing>
+    <p:tnLst>
+      <p:par>
+        <p:cTn id="1" dur="indefinite" restart="never" nodeType="tmRoot"/>
+      </p:par>
+    </p:tnLst>
+  </p:timing>
 </p:sld>
 </file>
 
@@ -6684,47 +8077,6 @@
           <a:p>
             <a:pPr algn="ctr"/>
             <a:endParaRPr kumimoji="1" lang="ja-JP" altLang="en-US" dirty="0"/>
-          </a:p>
-        </p:txBody>
-      </p:sp>
-      <p:sp>
-        <p:nvSpPr>
-          <p:cNvPr id="18" name="左矢印 17"/>
-          <p:cNvSpPr/>
-          <p:nvPr/>
-        </p:nvSpPr>
-        <p:spPr>
-          <a:xfrm rot="3837702">
-            <a:off x="3427160" y="2905711"/>
-            <a:ext cx="692993" cy="428628"/>
-          </a:xfrm>
-          <a:prstGeom prst="leftArrow">
-            <a:avLst>
-              <a:gd name="adj1" fmla="val 32244"/>
-              <a:gd name="adj2" fmla="val 102586"/>
-            </a:avLst>
-          </a:prstGeom>
-        </p:spPr>
-        <p:style>
-          <a:lnRef idx="2">
-            <a:schemeClr val="dk1"/>
-          </a:lnRef>
-          <a:fillRef idx="1">
-            <a:schemeClr val="lt1"/>
-          </a:fillRef>
-          <a:effectRef idx="0">
-            <a:schemeClr val="dk1"/>
-          </a:effectRef>
-          <a:fontRef idx="minor">
-            <a:schemeClr val="dk1"/>
-          </a:fontRef>
-        </p:style>
-        <p:txBody>
-          <a:bodyPr rtlCol="0" anchor="ctr"/>
-          <a:lstStyle/>
-          <a:p>
-            <a:pPr algn="ctr"/>
-            <a:endParaRPr kumimoji="1" lang="ja-JP" altLang="en-US"/>
           </a:p>
         </p:txBody>
       </p:sp>
@@ -6953,41 +8305,104 @@
           </a:p>
         </p:txBody>
       </p:sp>
-      <p:sp>
-        <p:nvSpPr>
-          <p:cNvPr id="27" name="テキスト ボックス 26"/>
-          <p:cNvSpPr txBox="1"/>
-          <p:nvPr/>
-        </p:nvSpPr>
-        <p:spPr>
-          <a:xfrm rot="20792603">
-            <a:off x="3962763" y="3073864"/>
-            <a:ext cx="675185" cy="369332"/>
-          </a:xfrm>
-          <a:prstGeom prst="rect">
-            <a:avLst/>
-          </a:prstGeom>
-          <a:noFill/>
-        </p:spPr>
-        <p:txBody>
-          <a:bodyPr wrap="none" rtlCol="0">
-            <a:spAutoFit/>
-          </a:bodyPr>
-          <a:lstStyle/>
-          <a:p>
-            <a:r>
-              <a:rPr kumimoji="1" lang="en-US" altLang="ja-JP" b="1" dirty="0" smtClean="0"/>
-              <a:t>click!</a:t>
-            </a:r>
-            <a:endParaRPr kumimoji="1" lang="ja-JP" altLang="en-US" b="1" dirty="0"/>
-          </a:p>
-        </p:txBody>
-      </p:sp>
+      <p:grpSp>
+        <p:nvGrpSpPr>
+          <p:cNvPr id="19" name="グループ化 18"/>
+          <p:cNvGrpSpPr/>
+          <p:nvPr/>
+        </p:nvGrpSpPr>
+        <p:grpSpPr>
+          <a:xfrm>
+            <a:off x="3559343" y="2773528"/>
+            <a:ext cx="1078605" cy="692993"/>
+            <a:chOff x="3559343" y="2773528"/>
+            <a:chExt cx="1078605" cy="692993"/>
+          </a:xfrm>
+        </p:grpSpPr>
+        <p:sp>
+          <p:nvSpPr>
+            <p:cNvPr id="18" name="左矢印 17"/>
+            <p:cNvSpPr/>
+            <p:nvPr/>
+          </p:nvSpPr>
+          <p:spPr>
+            <a:xfrm rot="3837702">
+              <a:off x="3427160" y="2905711"/>
+              <a:ext cx="692993" cy="428628"/>
+            </a:xfrm>
+            <a:prstGeom prst="leftArrow">
+              <a:avLst>
+                <a:gd name="adj1" fmla="val 32244"/>
+                <a:gd name="adj2" fmla="val 102586"/>
+              </a:avLst>
+            </a:prstGeom>
+          </p:spPr>
+          <p:style>
+            <a:lnRef idx="2">
+              <a:schemeClr val="dk1"/>
+            </a:lnRef>
+            <a:fillRef idx="1">
+              <a:schemeClr val="lt1"/>
+            </a:fillRef>
+            <a:effectRef idx="0">
+              <a:schemeClr val="dk1"/>
+            </a:effectRef>
+            <a:fontRef idx="minor">
+              <a:schemeClr val="dk1"/>
+            </a:fontRef>
+          </p:style>
+          <p:txBody>
+            <a:bodyPr rtlCol="0" anchor="ctr"/>
+            <a:lstStyle/>
+            <a:p>
+              <a:pPr algn="ctr"/>
+              <a:endParaRPr kumimoji="1" lang="ja-JP" altLang="en-US"/>
+            </a:p>
+          </p:txBody>
+        </p:sp>
+        <p:sp>
+          <p:nvSpPr>
+            <p:cNvPr id="27" name="テキスト ボックス 26"/>
+            <p:cNvSpPr txBox="1"/>
+            <p:nvPr/>
+          </p:nvSpPr>
+          <p:spPr>
+            <a:xfrm rot="20792603">
+              <a:off x="3962763" y="3073864"/>
+              <a:ext cx="675185" cy="369332"/>
+            </a:xfrm>
+            <a:prstGeom prst="rect">
+              <a:avLst/>
+            </a:prstGeom>
+            <a:noFill/>
+          </p:spPr>
+          <p:txBody>
+            <a:bodyPr wrap="none" rtlCol="0">
+              <a:spAutoFit/>
+            </a:bodyPr>
+            <a:lstStyle/>
+            <a:p>
+              <a:r>
+                <a:rPr kumimoji="1" lang="en-US" altLang="ja-JP" b="1" dirty="0" smtClean="0"/>
+                <a:t>click!</a:t>
+              </a:r>
+              <a:endParaRPr kumimoji="1" lang="ja-JP" altLang="en-US" b="1" dirty="0"/>
+            </a:p>
+          </p:txBody>
+        </p:sp>
+      </p:grpSp>
     </p:spTree>
   </p:cSld>
   <p:clrMapOvr>
     <a:masterClrMapping/>
   </p:clrMapOvr>
+  <p:timing>
+    <p:tnLst>
+      <p:par>
+        <p:cTn id="1" dur="indefinite" restart="never" nodeType="tmRoot"/>
+      </p:par>
+    </p:tnLst>
+  </p:timing>
 </p:sld>
 </file>
 
@@ -7555,6 +8970,13 @@
   <p:clrMapOvr>
     <a:masterClrMapping/>
   </p:clrMapOvr>
+  <p:timing>
+    <p:tnLst>
+      <p:par>
+        <p:cTn id="1" dur="indefinite" restart="never" nodeType="tmRoot"/>
+      </p:par>
+    </p:tnLst>
+  </p:timing>
 </p:sld>
 </file>
 
@@ -7594,11 +9016,7 @@
           <a:p>
             <a:r>
               <a:rPr lang="ja-JP" altLang="en-US" dirty="0" smtClean="0"/>
-              <a:t>アプリログ</a:t>
-            </a:r>
-            <a:r>
-              <a:rPr lang="ja-JP" altLang="en-US" dirty="0" smtClean="0"/>
-              <a:t>（関数コール）</a:t>
+              <a:t>アプリログ（関数コール）</a:t>
             </a:r>
             <a:r>
               <a:rPr lang="en-US" altLang="ja-JP" dirty="0" smtClean="0"/>
@@ -7633,19 +9051,7 @@
           <a:p>
             <a:r>
               <a:rPr lang="ja-JP" altLang="en-US" dirty="0" smtClean="0"/>
-              <a:t>どんな情報</a:t>
-            </a:r>
-            <a:r>
-              <a:rPr lang="ja-JP" altLang="en-US" dirty="0" smtClean="0"/>
-              <a:t>が</a:t>
-            </a:r>
-            <a:r>
-              <a:rPr lang="ja-JP" altLang="en-US" dirty="0" smtClean="0"/>
-              <a:t>求められて</a:t>
-            </a:r>
-            <a:r>
-              <a:rPr lang="ja-JP" altLang="en-US" dirty="0" smtClean="0"/>
-              <a:t>いる？</a:t>
+              <a:t>どんな情報が求められている？</a:t>
             </a:r>
             <a:endParaRPr lang="en-US" altLang="ja-JP" dirty="0" smtClean="0"/>
           </a:p>
@@ -8460,23 +9866,7 @@
             </a:pPr>
             <a:r>
               <a:rPr lang="ja-JP" altLang="en-US" sz="2000" dirty="0" smtClean="0"/>
-              <a:t>可視化</a:t>
-            </a:r>
-            <a:r>
-              <a:rPr lang="ja-JP" altLang="en-US" sz="2000" dirty="0" smtClean="0"/>
-              <a:t>する</a:t>
-            </a:r>
-            <a:r>
-              <a:rPr lang="ja-JP" altLang="en-US" sz="2000" dirty="0" smtClean="0"/>
-              <a:t>関数</a:t>
-            </a:r>
-            <a:r>
-              <a:rPr lang="ja-JP" altLang="en-US" sz="2000" dirty="0" smtClean="0"/>
-              <a:t>の</a:t>
-            </a:r>
-            <a:r>
-              <a:rPr lang="ja-JP" altLang="en-US" sz="2000" dirty="0" smtClean="0"/>
-              <a:t>一覧</a:t>
+              <a:t>可視化する関数の一覧</a:t>
             </a:r>
             <a:endParaRPr lang="en-US" altLang="ja-JP" sz="2000" dirty="0" smtClean="0"/>
           </a:p>
@@ -8487,19 +9877,7 @@
             </a:pPr>
             <a:r>
               <a:rPr kumimoji="1" lang="ja-JP" altLang="en-US" sz="2000" dirty="0" smtClean="0"/>
-              <a:t>どの関数</a:t>
-            </a:r>
-            <a:r>
-              <a:rPr kumimoji="1" lang="ja-JP" altLang="en-US" sz="2000" dirty="0" smtClean="0"/>
-              <a:t>が</a:t>
-            </a:r>
-            <a:r>
-              <a:rPr kumimoji="1" lang="ja-JP" altLang="en-US" sz="2000" dirty="0" smtClean="0"/>
-              <a:t>どの</a:t>
-            </a:r>
-            <a:r>
-              <a:rPr kumimoji="1" lang="ja-JP" altLang="en-US" sz="2000" dirty="0" smtClean="0"/>
-              <a:t>高さ？</a:t>
+              <a:t>どの関数がどの高さ？</a:t>
             </a:r>
             <a:endParaRPr kumimoji="1" lang="en-US" altLang="ja-JP" sz="2000" dirty="0" smtClean="0"/>
           </a:p>
@@ -8516,11 +9894,7 @@
             </a:r>
             <a:r>
               <a:rPr lang="ja-JP" altLang="en-US" sz="2000" u="sng" dirty="0" smtClean="0"/>
-              <a:t>スクリプト</a:t>
-            </a:r>
-            <a:r>
-              <a:rPr lang="ja-JP" altLang="en-US" sz="2000" u="sng" dirty="0" smtClean="0"/>
-              <a:t>拡張</a:t>
+              <a:t>スクリプト拡張</a:t>
             </a:r>
             <a:endParaRPr kumimoji="1" lang="en-US" altLang="ja-JP" sz="2000" u="sng" dirty="0" smtClean="0"/>
           </a:p>
@@ -8601,13 +9975,55 @@
             </a:pPr>
             <a:r>
               <a:rPr kumimoji="1" lang="ja-JP" altLang="en-US" sz="2000" dirty="0" smtClean="0"/>
-              <a:t>関数の数が増える</a:t>
-            </a:r>
-            <a:r>
-              <a:rPr kumimoji="1" lang="ja-JP" altLang="en-US" sz="2000" dirty="0" smtClean="0"/>
-              <a:t>と読みづらい</a:t>
+              <a:t>関数の数が増えると読みづらい</a:t>
             </a:r>
             <a:endParaRPr kumimoji="1" lang="en-US" altLang="ja-JP" sz="2000" dirty="0" smtClean="0"/>
+          </a:p>
+        </p:txBody>
+      </p:sp>
+      <p:sp>
+        <p:nvSpPr>
+          <p:cNvPr id="28" name="角丸四角形吹き出し 27"/>
+          <p:cNvSpPr/>
+          <p:nvPr/>
+        </p:nvSpPr>
+        <p:spPr>
+          <a:xfrm>
+            <a:off x="285720" y="4143380"/>
+            <a:ext cx="1000132" cy="500066"/>
+          </a:xfrm>
+          <a:prstGeom prst="wedgeRoundRectCallout">
+            <a:avLst>
+              <a:gd name="adj1" fmla="val 200423"/>
+              <a:gd name="adj2" fmla="val 3986"/>
+              <a:gd name="adj3" fmla="val 16667"/>
+            </a:avLst>
+          </a:prstGeom>
+        </p:spPr>
+        <p:style>
+          <a:lnRef idx="1">
+            <a:schemeClr val="accent3"/>
+          </a:lnRef>
+          <a:fillRef idx="2">
+            <a:schemeClr val="accent3"/>
+          </a:fillRef>
+          <a:effectRef idx="1">
+            <a:schemeClr val="accent3"/>
+          </a:effectRef>
+          <a:fontRef idx="minor">
+            <a:schemeClr val="dk1"/>
+          </a:fontRef>
+        </p:style>
+        <p:txBody>
+          <a:bodyPr rtlCol="0" anchor="ctr"/>
+          <a:lstStyle/>
+          <a:p>
+            <a:pPr algn="ctr"/>
+            <a:r>
+              <a:rPr kumimoji="1" lang="ja-JP" altLang="en-US" dirty="0" smtClean="0"/>
+              <a:t>目盛り</a:t>
+            </a:r>
+            <a:endParaRPr kumimoji="1" lang="ja-JP" altLang="en-US" dirty="0"/>
           </a:p>
         </p:txBody>
       </p:sp>
@@ -8616,6 +10032,13 @@
   <p:clrMapOvr>
     <a:masterClrMapping/>
   </p:clrMapOvr>
+  <p:timing>
+    <p:tnLst>
+      <p:par>
+        <p:cTn id="1" dur="indefinite" restart="never" nodeType="tmRoot"/>
+      </p:par>
+    </p:tnLst>
+  </p:timing>
 </p:sld>
 </file>
 
@@ -9212,19 +10635,7 @@
             </a:pPr>
             <a:r>
               <a:rPr lang="ja-JP" altLang="en-US" sz="2000" dirty="0" smtClean="0"/>
-              <a:t>可視化する</a:t>
-            </a:r>
-            <a:r>
-              <a:rPr lang="ja-JP" altLang="en-US" sz="2000" dirty="0" smtClean="0"/>
-              <a:t>関数</a:t>
-            </a:r>
-            <a:r>
-              <a:rPr lang="ja-JP" altLang="en-US" sz="2000" dirty="0" smtClean="0"/>
-              <a:t>の</a:t>
-            </a:r>
-            <a:r>
-              <a:rPr lang="ja-JP" altLang="en-US" sz="2000" dirty="0" smtClean="0"/>
-              <a:t>一覧</a:t>
+              <a:t>可視化する関数の一覧</a:t>
             </a:r>
             <a:endParaRPr lang="en-US" altLang="ja-JP" sz="2000" dirty="0" smtClean="0"/>
           </a:p>
@@ -9235,19 +10646,7 @@
             </a:pPr>
             <a:r>
               <a:rPr kumimoji="1" lang="ja-JP" altLang="en-US" sz="2000" dirty="0" smtClean="0"/>
-              <a:t>どの関数</a:t>
-            </a:r>
-            <a:r>
-              <a:rPr kumimoji="1" lang="ja-JP" altLang="en-US" sz="2000" dirty="0" smtClean="0"/>
-              <a:t>が</a:t>
-            </a:r>
-            <a:r>
-              <a:rPr kumimoji="1" lang="ja-JP" altLang="en-US" sz="2000" dirty="0" smtClean="0"/>
-              <a:t>どの</a:t>
-            </a:r>
-            <a:r>
-              <a:rPr kumimoji="1" lang="ja-JP" altLang="en-US" sz="2000" dirty="0" smtClean="0"/>
-              <a:t>高さ？</a:t>
+              <a:t>どの関数がどの高さ？</a:t>
             </a:r>
             <a:endParaRPr kumimoji="1" lang="en-US" altLang="ja-JP" sz="2000" dirty="0" smtClean="0"/>
           </a:p>
@@ -9264,11 +10663,7 @@
             </a:r>
             <a:r>
               <a:rPr lang="ja-JP" altLang="en-US" sz="2000" u="sng" dirty="0" smtClean="0"/>
-              <a:t>スクリプト</a:t>
-            </a:r>
-            <a:r>
-              <a:rPr lang="ja-JP" altLang="en-US" sz="2000" u="sng" dirty="0" smtClean="0"/>
-              <a:t>拡張</a:t>
+              <a:t>スクリプト拡張</a:t>
             </a:r>
             <a:endParaRPr kumimoji="1" lang="en-US" altLang="ja-JP" sz="2000" u="sng" dirty="0" smtClean="0"/>
           </a:p>
@@ -9352,11 +10747,7 @@
             </a:pPr>
             <a:r>
               <a:rPr kumimoji="1" lang="ja-JP" altLang="en-US" sz="2000" dirty="0" smtClean="0"/>
-              <a:t>関数の数が増える</a:t>
-            </a:r>
-            <a:r>
-              <a:rPr kumimoji="1" lang="ja-JP" altLang="en-US" sz="2000" dirty="0" smtClean="0"/>
-              <a:t>と見づらい</a:t>
+              <a:t>関数の数が増えると見づらい</a:t>
             </a:r>
             <a:endParaRPr kumimoji="1" lang="en-US" altLang="ja-JP" sz="2000" dirty="0" smtClean="0"/>
           </a:p>
@@ -9367,6 +10758,13 @@
   <p:clrMapOvr>
     <a:masterClrMapping/>
   </p:clrMapOvr>
+  <p:timing>
+    <p:tnLst>
+      <p:par>
+        <p:cTn id="1" dur="indefinite" restart="never" nodeType="tmRoot"/>
+      </p:par>
+    </p:tnLst>
+  </p:timing>
 </p:sld>
 </file>
 
@@ -10431,15 +11829,7 @@
             </a:pPr>
             <a:r>
               <a:rPr lang="ja-JP" altLang="en-US" sz="2000" dirty="0" smtClean="0"/>
-              <a:t>スタックオーバーフロー</a:t>
-            </a:r>
-            <a:r>
-              <a:rPr lang="ja-JP" altLang="en-US" sz="2000" dirty="0" smtClean="0"/>
-              <a:t>しそう</a:t>
-            </a:r>
-            <a:r>
-              <a:rPr lang="ja-JP" altLang="en-US" sz="2000" dirty="0" smtClean="0"/>
-              <a:t>なら</a:t>
+              <a:t>スタックオーバーフローしそうなら</a:t>
             </a:r>
             <a:r>
               <a:rPr lang="en-US" altLang="ja-JP" sz="2000" dirty="0" smtClean="0"/>
@@ -10552,8 +11942,8 @@
               <a:t>どの</a:t>
             </a:r>
             <a:r>
-              <a:rPr kumimoji="1" lang="ja-JP" altLang="en-US" sz="2000" dirty="0" smtClean="0"/>
-              <a:t>関数</a:t>
+              <a:rPr lang="en-US" altLang="ja-JP" sz="2000" dirty="0" smtClean="0"/>
+              <a:t>call</a:t>
             </a:r>
             <a:r>
               <a:rPr kumimoji="1" lang="ja-JP" altLang="en-US" sz="2000" dirty="0" smtClean="0"/>
@@ -10561,11 +11951,7 @@
             </a:r>
             <a:r>
               <a:rPr kumimoji="1" lang="ja-JP" altLang="en-US" sz="2000" dirty="0" smtClean="0"/>
-              <a:t>どの</a:t>
-            </a:r>
-            <a:r>
-              <a:rPr kumimoji="1" lang="ja-JP" altLang="en-US" sz="2000" dirty="0" smtClean="0"/>
-              <a:t>高さ？</a:t>
+              <a:t>どの高さ？</a:t>
             </a:r>
             <a:endParaRPr kumimoji="1" lang="en-US" altLang="ja-JP" sz="2000" dirty="0" smtClean="0"/>
           </a:p>
@@ -10582,13 +11968,171 @@
             </a:r>
             <a:r>
               <a:rPr lang="ja-JP" altLang="en-US" sz="2000" u="sng" dirty="0" smtClean="0"/>
-              <a:t>スクリプト</a:t>
-            </a:r>
-            <a:r>
-              <a:rPr lang="ja-JP" altLang="en-US" sz="2000" u="sng" dirty="0" smtClean="0"/>
-              <a:t>拡張</a:t>
+              <a:t>スクリプト拡張</a:t>
             </a:r>
             <a:endParaRPr kumimoji="1" lang="en-US" altLang="ja-JP" sz="2000" u="sng" dirty="0" smtClean="0"/>
+          </a:p>
+        </p:txBody>
+      </p:sp>
+      <p:grpSp>
+        <p:nvGrpSpPr>
+          <p:cNvPr id="36" name="グループ化 35"/>
+          <p:cNvGrpSpPr/>
+          <p:nvPr/>
+        </p:nvGrpSpPr>
+        <p:grpSpPr>
+          <a:xfrm>
+            <a:off x="3929058" y="3286124"/>
+            <a:ext cx="1078605" cy="692993"/>
+            <a:chOff x="3559343" y="2773528"/>
+            <a:chExt cx="1078605" cy="692993"/>
+          </a:xfrm>
+        </p:grpSpPr>
+        <p:sp>
+          <p:nvSpPr>
+            <p:cNvPr id="39" name="左矢印 38"/>
+            <p:cNvSpPr/>
+            <p:nvPr/>
+          </p:nvSpPr>
+          <p:spPr>
+            <a:xfrm rot="3837702">
+              <a:off x="3427160" y="2905711"/>
+              <a:ext cx="692993" cy="428628"/>
+            </a:xfrm>
+            <a:prstGeom prst="leftArrow">
+              <a:avLst>
+                <a:gd name="adj1" fmla="val 32244"/>
+                <a:gd name="adj2" fmla="val 102586"/>
+              </a:avLst>
+            </a:prstGeom>
+          </p:spPr>
+          <p:style>
+            <a:lnRef idx="2">
+              <a:schemeClr val="dk1"/>
+            </a:lnRef>
+            <a:fillRef idx="1">
+              <a:schemeClr val="lt1"/>
+            </a:fillRef>
+            <a:effectRef idx="0">
+              <a:schemeClr val="dk1"/>
+            </a:effectRef>
+            <a:fontRef idx="minor">
+              <a:schemeClr val="dk1"/>
+            </a:fontRef>
+          </p:style>
+          <p:txBody>
+            <a:bodyPr rtlCol="0" anchor="ctr"/>
+            <a:lstStyle/>
+            <a:p>
+              <a:pPr algn="ctr"/>
+              <a:endParaRPr kumimoji="1" lang="ja-JP" altLang="en-US"/>
+            </a:p>
+          </p:txBody>
+        </p:sp>
+        <p:sp>
+          <p:nvSpPr>
+            <p:cNvPr id="42" name="テキスト ボックス 41"/>
+            <p:cNvSpPr txBox="1"/>
+            <p:nvPr/>
+          </p:nvSpPr>
+          <p:spPr>
+            <a:xfrm rot="20792603">
+              <a:off x="3962763" y="3073864"/>
+              <a:ext cx="675185" cy="369332"/>
+            </a:xfrm>
+            <a:prstGeom prst="rect">
+              <a:avLst/>
+            </a:prstGeom>
+            <a:noFill/>
+          </p:spPr>
+          <p:txBody>
+            <a:bodyPr wrap="none" rtlCol="0">
+              <a:spAutoFit/>
+            </a:bodyPr>
+            <a:lstStyle/>
+            <a:p>
+              <a:r>
+                <a:rPr kumimoji="1" lang="en-US" altLang="ja-JP" b="1" dirty="0" smtClean="0"/>
+                <a:t>click!</a:t>
+              </a:r>
+              <a:endParaRPr kumimoji="1" lang="ja-JP" altLang="en-US" b="1" dirty="0"/>
+            </a:p>
+          </p:txBody>
+        </p:sp>
+      </p:grpSp>
+      <p:sp>
+        <p:nvSpPr>
+          <p:cNvPr id="43" name="テキスト ボックス 42"/>
+          <p:cNvSpPr txBox="1"/>
+          <p:nvPr/>
+        </p:nvSpPr>
+        <p:spPr>
+          <a:xfrm>
+            <a:off x="5643570" y="1357298"/>
+            <a:ext cx="2746265" cy="1323439"/>
+          </a:xfrm>
+          <a:prstGeom prst="rect">
+            <a:avLst/>
+          </a:prstGeom>
+        </p:spPr>
+        <p:style>
+          <a:lnRef idx="1">
+            <a:schemeClr val="accent3"/>
+          </a:lnRef>
+          <a:fillRef idx="2">
+            <a:schemeClr val="accent3"/>
+          </a:fillRef>
+          <a:effectRef idx="1">
+            <a:schemeClr val="accent3"/>
+          </a:effectRef>
+          <a:fontRef idx="minor">
+            <a:schemeClr val="dk1"/>
+          </a:fontRef>
+        </p:style>
+        <p:txBody>
+          <a:bodyPr wrap="none" rtlCol="0">
+            <a:spAutoFit/>
+          </a:bodyPr>
+          <a:lstStyle/>
+          <a:p>
+            <a:r>
+              <a:rPr lang="ja-JP" altLang="en-US" sz="2000" b="1" dirty="0" smtClean="0"/>
+              <a:t>できると嬉しいかも</a:t>
+            </a:r>
+            <a:endParaRPr lang="en-US" altLang="ja-JP" sz="2000" b="1" dirty="0" smtClean="0"/>
+          </a:p>
+          <a:p>
+            <a:pPr>
+              <a:buFont typeface="Wingdings" pitchFamily="2" charset="2"/>
+              <a:buChar char="l"/>
+            </a:pPr>
+            <a:r>
+              <a:rPr lang="ja-JP" altLang="en-US" sz="2000" dirty="0" smtClean="0"/>
+              <a:t>ペインに情報表示</a:t>
+            </a:r>
+            <a:endParaRPr lang="en-US" altLang="ja-JP" sz="2000" dirty="0" smtClean="0"/>
+          </a:p>
+          <a:p>
+            <a:pPr lvl="1">
+              <a:buFont typeface="Wingdings" pitchFamily="2" charset="2"/>
+              <a:buChar char="l"/>
+            </a:pPr>
+            <a:r>
+              <a:rPr kumimoji="1" lang="ja-JP" altLang="en-US" sz="2000" dirty="0" smtClean="0"/>
+              <a:t>時刻</a:t>
+            </a:r>
+            <a:endParaRPr kumimoji="1" lang="en-US" altLang="ja-JP" sz="2000" dirty="0" smtClean="0"/>
+          </a:p>
+          <a:p>
+            <a:pPr lvl="1">
+              <a:buFont typeface="Wingdings" pitchFamily="2" charset="2"/>
+              <a:buChar char="l"/>
+            </a:pPr>
+            <a:r>
+              <a:rPr kumimoji="1" lang="ja-JP" altLang="en-US" sz="2000" dirty="0" smtClean="0"/>
+              <a:t>関数名、引数など</a:t>
+            </a:r>
+            <a:endParaRPr kumimoji="1" lang="ja-JP" altLang="en-US" sz="2000" dirty="0"/>
           </a:p>
         </p:txBody>
       </p:sp>
@@ -10597,6 +12141,13 @@
   <p:clrMapOvr>
     <a:masterClrMapping/>
   </p:clrMapOvr>
+  <p:timing>
+    <p:tnLst>
+      <p:par>
+        <p:cTn id="1" dur="indefinite" restart="never" nodeType="tmRoot"/>
+      </p:par>
+    </p:tnLst>
+  </p:timing>
 </p:sld>
 </file>
 
@@ -11703,11 +13254,7 @@
             </a:pPr>
             <a:r>
               <a:rPr lang="ja-JP" altLang="en-US" sz="2000" dirty="0" smtClean="0"/>
-              <a:t>可視化</a:t>
-            </a:r>
-            <a:r>
-              <a:rPr lang="ja-JP" altLang="en-US" sz="2000" dirty="0" smtClean="0"/>
-              <a:t>する関数の個数</a:t>
+              <a:t>可視化する関数の個数</a:t>
             </a:r>
             <a:endParaRPr lang="en-US" altLang="ja-JP" sz="2000" dirty="0" smtClean="0"/>
           </a:p>
@@ -11718,11 +13265,7 @@
             </a:pPr>
             <a:r>
               <a:rPr lang="ja-JP" altLang="en-US" sz="2000" dirty="0" smtClean="0"/>
-              <a:t>可視化する関数の</a:t>
-            </a:r>
-            <a:r>
-              <a:rPr lang="ja-JP" altLang="en-US" sz="2000" dirty="0" smtClean="0"/>
-              <a:t>一覧</a:t>
+              <a:t>可視化する関数の一覧</a:t>
             </a:r>
             <a:endParaRPr lang="en-US" altLang="ja-JP" sz="2000" dirty="0" smtClean="0"/>
           </a:p>
@@ -11797,11 +13340,180 @@
           </a:p>
         </p:txBody>
       </p:sp>
+      <p:sp>
+        <p:nvSpPr>
+          <p:cNvPr id="33" name="テキスト ボックス 32"/>
+          <p:cNvSpPr txBox="1"/>
+          <p:nvPr/>
+        </p:nvSpPr>
+        <p:spPr>
+          <a:xfrm>
+            <a:off x="1142976" y="5072074"/>
+            <a:ext cx="2746265" cy="1323439"/>
+          </a:xfrm>
+          <a:prstGeom prst="rect">
+            <a:avLst/>
+          </a:prstGeom>
+        </p:spPr>
+        <p:style>
+          <a:lnRef idx="1">
+            <a:schemeClr val="accent3"/>
+          </a:lnRef>
+          <a:fillRef idx="2">
+            <a:schemeClr val="accent3"/>
+          </a:fillRef>
+          <a:effectRef idx="1">
+            <a:schemeClr val="accent3"/>
+          </a:effectRef>
+          <a:fontRef idx="minor">
+            <a:schemeClr val="dk1"/>
+          </a:fontRef>
+        </p:style>
+        <p:txBody>
+          <a:bodyPr wrap="none" rtlCol="0">
+            <a:spAutoFit/>
+          </a:bodyPr>
+          <a:lstStyle/>
+          <a:p>
+            <a:r>
+              <a:rPr lang="ja-JP" altLang="en-US" sz="2000" b="1" dirty="0" smtClean="0"/>
+              <a:t>できると嬉しいかも</a:t>
+            </a:r>
+            <a:endParaRPr lang="en-US" altLang="ja-JP" sz="2000" b="1" dirty="0" smtClean="0"/>
+          </a:p>
+          <a:p>
+            <a:pPr>
+              <a:buFont typeface="Wingdings" pitchFamily="2" charset="2"/>
+              <a:buChar char="l"/>
+            </a:pPr>
+            <a:r>
+              <a:rPr lang="ja-JP" altLang="en-US" sz="2000" dirty="0" smtClean="0"/>
+              <a:t>ペインに情報表示</a:t>
+            </a:r>
+            <a:endParaRPr lang="en-US" altLang="ja-JP" sz="2000" dirty="0" smtClean="0"/>
+          </a:p>
+          <a:p>
+            <a:pPr lvl="1">
+              <a:buFont typeface="Wingdings" pitchFamily="2" charset="2"/>
+              <a:buChar char="l"/>
+            </a:pPr>
+            <a:r>
+              <a:rPr kumimoji="1" lang="ja-JP" altLang="en-US" sz="2000" dirty="0" smtClean="0"/>
+              <a:t>時刻</a:t>
+            </a:r>
+            <a:endParaRPr kumimoji="1" lang="en-US" altLang="ja-JP" sz="2000" dirty="0" smtClean="0"/>
+          </a:p>
+          <a:p>
+            <a:pPr lvl="1">
+              <a:buFont typeface="Wingdings" pitchFamily="2" charset="2"/>
+              <a:buChar char="l"/>
+            </a:pPr>
+            <a:r>
+              <a:rPr kumimoji="1" lang="ja-JP" altLang="en-US" sz="2000" dirty="0" smtClean="0"/>
+              <a:t>関数名、引数など</a:t>
+            </a:r>
+            <a:endParaRPr kumimoji="1" lang="ja-JP" altLang="en-US" sz="2000" dirty="0"/>
+          </a:p>
+        </p:txBody>
+      </p:sp>
+      <p:grpSp>
+        <p:nvGrpSpPr>
+          <p:cNvPr id="34" name="グループ化 33"/>
+          <p:cNvGrpSpPr/>
+          <p:nvPr/>
+        </p:nvGrpSpPr>
+        <p:grpSpPr>
+          <a:xfrm>
+            <a:off x="4429124" y="2428868"/>
+            <a:ext cx="1078605" cy="692993"/>
+            <a:chOff x="3559343" y="2773528"/>
+            <a:chExt cx="1078605" cy="692993"/>
+          </a:xfrm>
+        </p:grpSpPr>
+        <p:sp>
+          <p:nvSpPr>
+            <p:cNvPr id="35" name="左矢印 34"/>
+            <p:cNvSpPr/>
+            <p:nvPr/>
+          </p:nvSpPr>
+          <p:spPr>
+            <a:xfrm rot="3837702">
+              <a:off x="3427160" y="2905711"/>
+              <a:ext cx="692993" cy="428628"/>
+            </a:xfrm>
+            <a:prstGeom prst="leftArrow">
+              <a:avLst>
+                <a:gd name="adj1" fmla="val 32244"/>
+                <a:gd name="adj2" fmla="val 102586"/>
+              </a:avLst>
+            </a:prstGeom>
+          </p:spPr>
+          <p:style>
+            <a:lnRef idx="2">
+              <a:schemeClr val="dk1"/>
+            </a:lnRef>
+            <a:fillRef idx="1">
+              <a:schemeClr val="lt1"/>
+            </a:fillRef>
+            <a:effectRef idx="0">
+              <a:schemeClr val="dk1"/>
+            </a:effectRef>
+            <a:fontRef idx="minor">
+              <a:schemeClr val="dk1"/>
+            </a:fontRef>
+          </p:style>
+          <p:txBody>
+            <a:bodyPr rtlCol="0" anchor="ctr"/>
+            <a:lstStyle/>
+            <a:p>
+              <a:pPr algn="ctr"/>
+              <a:endParaRPr kumimoji="1" lang="ja-JP" altLang="en-US"/>
+            </a:p>
+          </p:txBody>
+        </p:sp>
+        <p:sp>
+          <p:nvSpPr>
+            <p:cNvPr id="36" name="テキスト ボックス 35"/>
+            <p:cNvSpPr txBox="1"/>
+            <p:nvPr/>
+          </p:nvSpPr>
+          <p:spPr>
+            <a:xfrm rot="20792603">
+              <a:off x="3962763" y="3073864"/>
+              <a:ext cx="675185" cy="369332"/>
+            </a:xfrm>
+            <a:prstGeom prst="rect">
+              <a:avLst/>
+            </a:prstGeom>
+            <a:noFill/>
+          </p:spPr>
+          <p:txBody>
+            <a:bodyPr wrap="none" rtlCol="0">
+              <a:spAutoFit/>
+            </a:bodyPr>
+            <a:lstStyle/>
+            <a:p>
+              <a:r>
+                <a:rPr kumimoji="1" lang="en-US" altLang="ja-JP" b="1" dirty="0" smtClean="0"/>
+                <a:t>click!</a:t>
+              </a:r>
+              <a:endParaRPr kumimoji="1" lang="ja-JP" altLang="en-US" b="1" dirty="0"/>
+            </a:p>
+          </p:txBody>
+        </p:sp>
+      </p:grpSp>
     </p:spTree>
   </p:cSld>
   <p:clrMapOvr>
     <a:masterClrMapping/>
   </p:clrMapOvr>
+  <p:timing>
+    <p:tnLst>
+      <p:par>
+        <p:cTn id="1" dur="indefinite" restart="never" nodeType="tmRoot"/>
+      </p:par>
+    </p:tnLst>
+  </p:timing>
 </p:sld>
 </file>
 
@@ -12959,11 +14671,7 @@
             </a:pPr>
             <a:r>
               <a:rPr kumimoji="1" lang="ja-JP" altLang="en-US" sz="2000" dirty="0" smtClean="0"/>
-              <a:t>可視化したい関数の</a:t>
-            </a:r>
-            <a:r>
-              <a:rPr kumimoji="1" lang="ja-JP" altLang="en-US" sz="2000" dirty="0" smtClean="0"/>
-              <a:t>数＜テンプレ色数</a:t>
+              <a:t>可視化したい関数の数＜テンプレ色数</a:t>
             </a:r>
             <a:r>
               <a:rPr kumimoji="1" lang="en-US" altLang="ja-JP" sz="2000" dirty="0" smtClean="0"/>
@@ -12980,15 +14688,7 @@
             </a:r>
             <a:r>
               <a:rPr lang="ja-JP" altLang="en-US" sz="2000" dirty="0" smtClean="0"/>
-              <a:t>関数</a:t>
-            </a:r>
-            <a:r>
-              <a:rPr lang="ja-JP" altLang="en-US" sz="2000" dirty="0" smtClean="0"/>
-              <a:t>の</a:t>
-            </a:r>
-            <a:r>
-              <a:rPr lang="ja-JP" altLang="en-US" sz="2000" dirty="0" smtClean="0"/>
-              <a:t>数</a:t>
+              <a:t>関数の数</a:t>
             </a:r>
             <a:r>
               <a:rPr lang="en-US" altLang="ja-JP" sz="2000" dirty="0" smtClean="0"/>
@@ -13007,11 +14707,7 @@
             </a:pPr>
             <a:r>
               <a:rPr lang="ja-JP" altLang="en-US" sz="2000" dirty="0" smtClean="0"/>
-              <a:t>アプリから</a:t>
-            </a:r>
-            <a:r>
-              <a:rPr lang="ja-JP" altLang="en-US" sz="2000" dirty="0" smtClean="0"/>
-              <a:t>は</a:t>
+              <a:t>アプリからは</a:t>
             </a:r>
             <a:r>
               <a:rPr lang="en-US" altLang="ja-JP" sz="2000" dirty="0" smtClean="0"/>
@@ -13030,6 +14726,13 @@
   <p:clrMapOvr>
     <a:masterClrMapping/>
   </p:clrMapOvr>
+  <p:timing>
+    <p:tnLst>
+      <p:par>
+        <p:cTn id="1" dur="indefinite" restart="never" nodeType="tmRoot"/>
+      </p:par>
+    </p:tnLst>
+  </p:timing>
 </p:sld>
 </file>
 
